--- a/Angular 5574-Khurram Khawer.pptx
+++ b/Angular 5574-Khurram Khawer.pptx
@@ -7458,7 +7458,7 @@
                                     </p:set>
                                     <p:animEffect transition="in" filter="fade">
                                       <p:cBhvr>
-                                        <p:cTn id="7" dur="3000"/>
+                                        <p:cTn id="7" dur="4000"/>
                                         <p:tgtEl>
                                           <p:spTgt spid="6"/>
                                         </p:tgtEl>
@@ -7466,7 +7466,7 @@
                                     </p:animEffect>
                                     <p:anim calcmode="lin" valueType="num">
                                       <p:cBhvr>
-                                        <p:cTn id="8" dur="3000" fill="hold"/>
+                                        <p:cTn id="8" dur="4000" fill="hold"/>
                                         <p:tgtEl>
                                           <p:spTgt spid="6"/>
                                         </p:tgtEl>
@@ -7489,7 +7489,7 @@
                                     </p:anim>
                                     <p:anim calcmode="lin" valueType="num">
                                       <p:cBhvr>
-                                        <p:cTn id="9" dur="3000" fill="hold"/>
+                                        <p:cTn id="9" dur="4000" fill="hold"/>
                                         <p:tgtEl>
                                           <p:spTgt spid="6"/>
                                         </p:tgtEl>
@@ -7951,13 +7951,13 @@
   <p:clrMapOvr>
     <a:masterClrMapping/>
   </p:clrMapOvr>
-  <mc:AlternateContent xmlns:mc="http://schemas.openxmlformats.org/markup-compatibility/2006">
-    <mc:Choice xmlns:p14="http://schemas.microsoft.com/office/powerpoint/2010/main" Requires="p14">
+  <mc:AlternateContent xmlns:mc="http://schemas.openxmlformats.org/markup-compatibility/2006" xmlns:p14="http://schemas.microsoft.com/office/powerpoint/2010/main">
+    <mc:Choice Requires="p14">
       <p:transition spd="med" p14:dur="700">
         <p:fade/>
       </p:transition>
     </mc:Choice>
-    <mc:Fallback>
+    <mc:Fallback xmlns="">
       <p:transition spd="med">
         <p:fade/>
       </p:transition>
@@ -8854,13 +8854,13 @@
   <p:clrMapOvr>
     <a:masterClrMapping/>
   </p:clrMapOvr>
-  <mc:AlternateContent xmlns:mc="http://schemas.openxmlformats.org/markup-compatibility/2006">
-    <mc:Choice xmlns:p14="http://schemas.microsoft.com/office/powerpoint/2010/main" Requires="p14">
+  <mc:AlternateContent xmlns:mc="http://schemas.openxmlformats.org/markup-compatibility/2006" xmlns:p14="http://schemas.microsoft.com/office/powerpoint/2010/main">
+    <mc:Choice Requires="p14">
       <p:transition spd="med" p14:dur="700">
         <p:fade/>
       </p:transition>
     </mc:Choice>
-    <mc:Fallback>
+    <mc:Fallback xmlns="">
       <p:transition spd="med">
         <p:fade/>
       </p:transition>
@@ -9276,13 +9276,13 @@
   <p:clrMapOvr>
     <a:masterClrMapping/>
   </p:clrMapOvr>
-  <mc:AlternateContent xmlns:mc="http://schemas.openxmlformats.org/markup-compatibility/2006">
-    <mc:Choice xmlns:p14="http://schemas.microsoft.com/office/powerpoint/2010/main" Requires="p14">
+  <mc:AlternateContent xmlns:mc="http://schemas.openxmlformats.org/markup-compatibility/2006" xmlns:p14="http://schemas.microsoft.com/office/powerpoint/2010/main">
+    <mc:Choice Requires="p14">
       <p:transition spd="med" p14:dur="700">
         <p:fade/>
       </p:transition>
     </mc:Choice>
-    <mc:Fallback>
+    <mc:Fallback xmlns="">
       <p:transition spd="med">
         <p:fade/>
       </p:transition>
@@ -10179,13 +10179,13 @@
   <p:clrMapOvr>
     <a:masterClrMapping/>
   </p:clrMapOvr>
-  <mc:AlternateContent xmlns:mc="http://schemas.openxmlformats.org/markup-compatibility/2006">
-    <mc:Choice xmlns:p14="http://schemas.microsoft.com/office/powerpoint/2010/main" Requires="p14">
+  <mc:AlternateContent xmlns:mc="http://schemas.openxmlformats.org/markup-compatibility/2006" xmlns:p14="http://schemas.microsoft.com/office/powerpoint/2010/main">
+    <mc:Choice Requires="p14">
       <p:transition spd="med" p14:dur="700">
         <p:fade/>
       </p:transition>
     </mc:Choice>
-    <mc:Fallback>
+    <mc:Fallback xmlns="">
       <p:transition spd="med">
         <p:fade/>
       </p:transition>
@@ -10601,13 +10601,13 @@
   <p:clrMapOvr>
     <a:masterClrMapping/>
   </p:clrMapOvr>
-  <mc:AlternateContent xmlns:mc="http://schemas.openxmlformats.org/markup-compatibility/2006">
-    <mc:Choice xmlns:p14="http://schemas.microsoft.com/office/powerpoint/2010/main" Requires="p14">
+  <mc:AlternateContent xmlns:mc="http://schemas.openxmlformats.org/markup-compatibility/2006" xmlns:p14="http://schemas.microsoft.com/office/powerpoint/2010/main">
+    <mc:Choice Requires="p14">
       <p:transition spd="med" p14:dur="700">
         <p:fade/>
       </p:transition>
     </mc:Choice>
-    <mc:Fallback>
+    <mc:Fallback xmlns="">
       <p:transition spd="med">
         <p:fade/>
       </p:transition>
@@ -11023,13 +11023,13 @@
   <p:clrMapOvr>
     <a:masterClrMapping/>
   </p:clrMapOvr>
-  <mc:AlternateContent xmlns:mc="http://schemas.openxmlformats.org/markup-compatibility/2006">
-    <mc:Choice xmlns:p14="http://schemas.microsoft.com/office/powerpoint/2010/main" Requires="p14">
+  <mc:AlternateContent xmlns:mc="http://schemas.openxmlformats.org/markup-compatibility/2006" xmlns:p14="http://schemas.microsoft.com/office/powerpoint/2010/main">
+    <mc:Choice Requires="p14">
       <p:transition spd="med" p14:dur="700">
         <p:fade/>
       </p:transition>
     </mc:Choice>
-    <mc:Fallback>
+    <mc:Fallback xmlns="">
       <p:transition spd="med">
         <p:fade/>
       </p:transition>
@@ -11445,13 +11445,13 @@
   <p:clrMapOvr>
     <a:masterClrMapping/>
   </p:clrMapOvr>
-  <mc:AlternateContent xmlns:mc="http://schemas.openxmlformats.org/markup-compatibility/2006">
-    <mc:Choice xmlns:p14="http://schemas.microsoft.com/office/powerpoint/2010/main" Requires="p14">
+  <mc:AlternateContent xmlns:mc="http://schemas.openxmlformats.org/markup-compatibility/2006" xmlns:p14="http://schemas.microsoft.com/office/powerpoint/2010/main">
+    <mc:Choice Requires="p14">
       <p:transition spd="med" p14:dur="700">
         <p:fade/>
       </p:transition>
     </mc:Choice>
-    <mc:Fallback>
+    <mc:Fallback xmlns="">
       <p:transition spd="med">
         <p:fade/>
       </p:transition>
@@ -11673,13 +11673,13 @@
   <p:clrMapOvr>
     <a:masterClrMapping/>
   </p:clrMapOvr>
-  <mc:AlternateContent xmlns:mc="http://schemas.openxmlformats.org/markup-compatibility/2006">
-    <mc:Choice xmlns:p14="http://schemas.microsoft.com/office/powerpoint/2010/main" Requires="p14">
+  <mc:AlternateContent xmlns:mc="http://schemas.openxmlformats.org/markup-compatibility/2006" xmlns:p14="http://schemas.microsoft.com/office/powerpoint/2010/main">
+    <mc:Choice Requires="p14">
       <p:transition spd="med" p14:dur="700">
         <p:fade/>
       </p:transition>
     </mc:Choice>
-    <mc:Fallback>
+    <mc:Fallback xmlns="">
       <p:transition spd="med">
         <p:fade/>
       </p:transition>
@@ -12639,13 +12639,13 @@
   <p:clrMapOvr>
     <a:masterClrMapping/>
   </p:clrMapOvr>
-  <mc:AlternateContent xmlns:mc="http://schemas.openxmlformats.org/markup-compatibility/2006">
-    <mc:Choice xmlns:p14="http://schemas.microsoft.com/office/powerpoint/2010/main" Requires="p14">
+  <mc:AlternateContent xmlns:mc="http://schemas.openxmlformats.org/markup-compatibility/2006" xmlns:p14="http://schemas.microsoft.com/office/powerpoint/2010/main">
+    <mc:Choice Requires="p14">
       <p:transition spd="med" p14:dur="700">
         <p:fade/>
       </p:transition>
     </mc:Choice>
-    <mc:Fallback>
+    <mc:Fallback xmlns="">
       <p:transition spd="med">
         <p:fade/>
       </p:transition>
@@ -12949,13 +12949,13 @@
   <p:clrMapOvr>
     <a:masterClrMapping/>
   </p:clrMapOvr>
-  <mc:AlternateContent xmlns:mc="http://schemas.openxmlformats.org/markup-compatibility/2006">
-    <mc:Choice xmlns:p14="http://schemas.microsoft.com/office/powerpoint/2010/main" Requires="p14">
+  <mc:AlternateContent xmlns:mc="http://schemas.openxmlformats.org/markup-compatibility/2006" xmlns:p14="http://schemas.microsoft.com/office/powerpoint/2010/main">
+    <mc:Choice Requires="p14">
       <p:transition spd="med" p14:dur="700">
         <p:fade/>
       </p:transition>
     </mc:Choice>
-    <mc:Fallback>
+    <mc:Fallback xmlns="">
       <p:transition spd="med">
         <p:fade/>
       </p:transition>
@@ -13371,13 +13371,13 @@
   <p:clrMapOvr>
     <a:masterClrMapping/>
   </p:clrMapOvr>
-  <mc:AlternateContent xmlns:mc="http://schemas.openxmlformats.org/markup-compatibility/2006">
-    <mc:Choice xmlns:p14="http://schemas.microsoft.com/office/powerpoint/2010/main" Requires="p14">
+  <mc:AlternateContent xmlns:mc="http://schemas.openxmlformats.org/markup-compatibility/2006" xmlns:p14="http://schemas.microsoft.com/office/powerpoint/2010/main">
+    <mc:Choice Requires="p14">
       <p:transition spd="med" p14:dur="700">
         <p:fade/>
       </p:transition>
     </mc:Choice>
-    <mc:Fallback>
+    <mc:Fallback xmlns="">
       <p:transition spd="med">
         <p:fade/>
       </p:transition>
@@ -14352,13 +14352,13 @@
   <p:clrMapOvr>
     <a:masterClrMapping/>
   </p:clrMapOvr>
-  <mc:AlternateContent xmlns:mc="http://schemas.openxmlformats.org/markup-compatibility/2006">
-    <mc:Choice xmlns:p14="http://schemas.microsoft.com/office/powerpoint/2010/main" Requires="p14">
+  <mc:AlternateContent xmlns:mc="http://schemas.openxmlformats.org/markup-compatibility/2006" xmlns:p14="http://schemas.microsoft.com/office/powerpoint/2010/main">
+    <mc:Choice Requires="p14">
       <p:transition spd="med" p14:dur="700">
         <p:fade/>
       </p:transition>
     </mc:Choice>
-    <mc:Fallback>
+    <mc:Fallback xmlns="">
       <p:transition spd="med">
         <p:fade/>
       </p:transition>
@@ -15117,13 +15117,13 @@
   <p:clrMapOvr>
     <a:masterClrMapping/>
   </p:clrMapOvr>
-  <mc:AlternateContent xmlns:mc="http://schemas.openxmlformats.org/markup-compatibility/2006">
-    <mc:Choice xmlns:p14="http://schemas.microsoft.com/office/powerpoint/2010/main" Requires="p14">
+  <mc:AlternateContent xmlns:mc="http://schemas.openxmlformats.org/markup-compatibility/2006" xmlns:p14="http://schemas.microsoft.com/office/powerpoint/2010/main">
+    <mc:Choice Requires="p14">
       <p:transition spd="med" p14:dur="700">
         <p:fade/>
       </p:transition>
     </mc:Choice>
-    <mc:Fallback>
+    <mc:Fallback xmlns="">
       <p:transition spd="med">
         <p:fade/>
       </p:transition>
@@ -15539,13 +15539,13 @@
   <p:clrMapOvr>
     <a:masterClrMapping/>
   </p:clrMapOvr>
-  <mc:AlternateContent xmlns:mc="http://schemas.openxmlformats.org/markup-compatibility/2006">
-    <mc:Choice xmlns:p14="http://schemas.microsoft.com/office/powerpoint/2010/main" Requires="p14">
+  <mc:AlternateContent xmlns:mc="http://schemas.openxmlformats.org/markup-compatibility/2006" xmlns:p14="http://schemas.microsoft.com/office/powerpoint/2010/main">
+    <mc:Choice Requires="p14">
       <p:transition spd="med" p14:dur="700">
         <p:fade/>
       </p:transition>
     </mc:Choice>
-    <mc:Fallback>
+    <mc:Fallback xmlns="">
       <p:transition spd="med">
         <p:fade/>
       </p:transition>
@@ -15961,13 +15961,13 @@
   <p:clrMapOvr>
     <a:masterClrMapping/>
   </p:clrMapOvr>
-  <mc:AlternateContent xmlns:mc="http://schemas.openxmlformats.org/markup-compatibility/2006">
-    <mc:Choice xmlns:p14="http://schemas.microsoft.com/office/powerpoint/2010/main" Requires="p14">
+  <mc:AlternateContent xmlns:mc="http://schemas.openxmlformats.org/markup-compatibility/2006" xmlns:p14="http://schemas.microsoft.com/office/powerpoint/2010/main">
+    <mc:Choice Requires="p14">
       <p:transition spd="med" p14:dur="700">
         <p:fade/>
       </p:transition>
     </mc:Choice>
-    <mc:Fallback>
+    <mc:Fallback xmlns="">
       <p:transition spd="med">
         <p:fade/>
       </p:transition>
@@ -16512,13 +16512,13 @@
   <p:clrMapOvr>
     <a:masterClrMapping/>
   </p:clrMapOvr>
-  <mc:AlternateContent xmlns:mc="http://schemas.openxmlformats.org/markup-compatibility/2006">
-    <mc:Choice xmlns:p14="http://schemas.microsoft.com/office/powerpoint/2010/main" Requires="p14">
+  <mc:AlternateContent xmlns:mc="http://schemas.openxmlformats.org/markup-compatibility/2006" xmlns:p14="http://schemas.microsoft.com/office/powerpoint/2010/main">
+    <mc:Choice Requires="p14">
       <p:transition spd="med" p14:dur="700">
         <p:fade/>
       </p:transition>
     </mc:Choice>
-    <mc:Fallback>
+    <mc:Fallback xmlns="">
       <p:transition spd="med">
         <p:fade/>
       </p:transition>
